--- a/Slides/05-ASPNETCore3-Blazor-Overview.pptx
+++ b/Slides/05-ASPNETCore3-Blazor-Overview.pptx
@@ -7101,6 +7101,23 @@
               <a:t>https://www.youtube.com/watch?v=uW-Kk7Qpv5U</a:t>
             </a:r>
           </a:p>
+          <a:p>
+            <a:r>
+              <a:rPr lang="en-US" sz="2200" dirty="0" err="1"/>
+              <a:t>Blazor</a:t>
+            </a:r>
+            <a:r>
+              <a:rPr lang="en-US" sz="2200" dirty="0"/>
+              <a:t> Pizza App</a:t>
+            </a:r>
+          </a:p>
+          <a:p>
+            <a:pPr lvl="1"/>
+            <a:r>
+              <a:rPr lang="en-US" sz="2000" dirty="0"/>
+              <a:t>https://github.com/dotnet-presentations/blazor-workshop</a:t>
+            </a:r>
+          </a:p>
         </p:txBody>
       </p:sp>
     </p:spTree>
